--- a/Präsi/Digitales Theremin.pptx
+++ b/Präsi/Digitales Theremin.pptx
@@ -4506,7 +4506,19 @@
           <a:bodyPr/>
           <a:lstStyle/>
           <a:p>
-            <a:endParaRPr lang="de-CH"/>
+            <a:r>
+              <a:rPr lang="de-CH" dirty="0"/>
+              <a:t>Überarbeitung des PCB</a:t>
+            </a:r>
+          </a:p>
+          <a:p>
+            <a:r>
+              <a:rPr lang="de-CH" dirty="0"/>
+              <a:t>Implementierung von Zusatzeffekten</a:t>
+            </a:r>
+          </a:p>
+          <a:p>
+            <a:endParaRPr lang="de-CH" dirty="0"/>
           </a:p>
         </p:txBody>
       </p:sp>
@@ -5072,6 +5084,42 @@
           </a:p>
         </p:txBody>
       </p:sp>
+      <p:pic>
+        <p:nvPicPr>
+          <p:cNvPr id="7" name="Grafik 6" descr="Ein Bild, das Screenshot, Zeichnung enthält.&#10;&#10;Automatisch generierte Beschreibung">
+            <a:extLst>
+              <a:ext uri="{FF2B5EF4-FFF2-40B4-BE49-F238E27FC236}">
+                <a16:creationId xmlns:a16="http://schemas.microsoft.com/office/drawing/2014/main" id="{E94963EC-E027-40BA-90E8-7040FD65B82D}"/>
+              </a:ext>
+            </a:extLst>
+          </p:cNvPr>
+          <p:cNvPicPr>
+            <a:picLocks noChangeAspect="1"/>
+          </p:cNvPicPr>
+          <p:nvPr/>
+        </p:nvPicPr>
+        <p:blipFill>
+          <a:blip r:embed="rId3">
+            <a:extLst>
+              <a:ext uri="{28A0092B-C50C-407E-A947-70E740481C1C}">
+                <a14:useLocalDpi xmlns:a14="http://schemas.microsoft.com/office/drawing/2010/main" val="0"/>
+              </a:ext>
+            </a:extLst>
+          </a:blip>
+          <a:stretch>
+            <a:fillRect/>
+          </a:stretch>
+        </p:blipFill>
+        <p:spPr>
+          <a:xfrm>
+            <a:off x="8301984" y="782637"/>
+            <a:ext cx="3051816" cy="2290577"/>
+          </a:xfrm>
+          <a:prstGeom prst="rect">
+            <a:avLst/>
+          </a:prstGeom>
+        </p:spPr>
+      </p:pic>
     </p:spTree>
     <p:extLst>
       <p:ext uri="{BB962C8B-B14F-4D97-AF65-F5344CB8AC3E}">
@@ -5153,13 +5201,84 @@
           <a:p>
             <a:r>
               <a:rPr lang="de-CH" dirty="0"/>
-              <a:t>Bild für Kalibration einfügen</a:t>
+              <a:t>Oszillatoren abstimmen</a:t>
             </a:r>
           </a:p>
           <a:p>
             <a:r>
               <a:rPr lang="de-CH" dirty="0"/>
-              <a:t>Bild des Display einfügen</a:t>
+              <a:t>Für optimales Spielen</a:t>
+            </a:r>
+          </a:p>
+        </p:txBody>
+      </p:sp>
+      <p:pic>
+        <p:nvPicPr>
+          <p:cNvPr id="8" name="Grafik 7" descr="Ein Bild, das Uhr enthält.&#10;&#10;Automatisch generierte Beschreibung">
+            <a:extLst>
+              <a:ext uri="{FF2B5EF4-FFF2-40B4-BE49-F238E27FC236}">
+                <a16:creationId xmlns:a16="http://schemas.microsoft.com/office/drawing/2014/main" id="{8955CD08-EEE9-4C45-8AC1-3EB38CD865AA}"/>
+              </a:ext>
+            </a:extLst>
+          </p:cNvPr>
+          <p:cNvPicPr>
+            <a:picLocks noChangeAspect="1"/>
+          </p:cNvPicPr>
+          <p:nvPr/>
+        </p:nvPicPr>
+        <p:blipFill>
+          <a:blip r:embed="rId2">
+            <a:extLst>
+              <a:ext uri="{28A0092B-C50C-407E-A947-70E740481C1C}">
+                <a14:useLocalDpi xmlns:a14="http://schemas.microsoft.com/office/drawing/2010/main" val="0"/>
+              </a:ext>
+            </a:extLst>
+          </a:blip>
+          <a:stretch>
+            <a:fillRect/>
+          </a:stretch>
+        </p:blipFill>
+        <p:spPr>
+          <a:xfrm>
+            <a:off x="8301984" y="782637"/>
+            <a:ext cx="3051816" cy="2290577"/>
+          </a:xfrm>
+          <a:prstGeom prst="rect">
+            <a:avLst/>
+          </a:prstGeom>
+        </p:spPr>
+      </p:pic>
+      <p:sp>
+        <p:nvSpPr>
+          <p:cNvPr id="11" name="Textfeld 10">
+            <a:extLst>
+              <a:ext uri="{FF2B5EF4-FFF2-40B4-BE49-F238E27FC236}">
+                <a16:creationId xmlns:a16="http://schemas.microsoft.com/office/drawing/2014/main" id="{D6246D1C-E8A3-4A8F-B848-86C8CC272F8A}"/>
+              </a:ext>
+            </a:extLst>
+          </p:cNvPr>
+          <p:cNvSpPr txBox="1"/>
+          <p:nvPr/>
+        </p:nvSpPr>
+        <p:spPr>
+          <a:xfrm>
+            <a:off x="1452880" y="5445760"/>
+            <a:ext cx="2806025" cy="369332"/>
+          </a:xfrm>
+          <a:prstGeom prst="rect">
+            <a:avLst/>
+          </a:prstGeom>
+          <a:noFill/>
+        </p:spPr>
+        <p:txBody>
+          <a:bodyPr wrap="none" rtlCol="0">
+            <a:spAutoFit/>
+          </a:bodyPr>
+          <a:lstStyle/>
+          <a:p>
+            <a:r>
+              <a:rPr lang="de-CH" dirty="0"/>
+              <a:t>Bild einfügen für Kalibration</a:t>
             </a:r>
           </a:p>
         </p:txBody>
@@ -5256,6 +5375,78 @@
           </a:p>
         </p:txBody>
       </p:sp>
+      <p:pic>
+        <p:nvPicPr>
+          <p:cNvPr id="16" name="Grafik 15">
+            <a:extLst>
+              <a:ext uri="{FF2B5EF4-FFF2-40B4-BE49-F238E27FC236}">
+                <a16:creationId xmlns:a16="http://schemas.microsoft.com/office/drawing/2014/main" id="{887BD1D4-1AE2-4431-A1F2-782D8ACD801D}"/>
+              </a:ext>
+            </a:extLst>
+          </p:cNvPr>
+          <p:cNvPicPr>
+            <a:picLocks noChangeAspect="1"/>
+          </p:cNvPicPr>
+          <p:nvPr/>
+        </p:nvPicPr>
+        <p:blipFill>
+          <a:blip r:embed="rId2">
+            <a:extLst>
+              <a:ext uri="{28A0092B-C50C-407E-A947-70E740481C1C}">
+                <a14:useLocalDpi xmlns:a14="http://schemas.microsoft.com/office/drawing/2010/main" val="0"/>
+              </a:ext>
+            </a:extLst>
+          </a:blip>
+          <a:stretch>
+            <a:fillRect/>
+          </a:stretch>
+        </p:blipFill>
+        <p:spPr>
+          <a:xfrm>
+            <a:off x="8301984" y="790577"/>
+            <a:ext cx="3051816" cy="2290577"/>
+          </a:xfrm>
+          <a:prstGeom prst="rect">
+            <a:avLst/>
+          </a:prstGeom>
+        </p:spPr>
+      </p:pic>
+      <p:pic>
+        <p:nvPicPr>
+          <p:cNvPr id="18" name="Grafik 17" descr="Ein Bild, das Uhr enthält.&#10;&#10;Automatisch generierte Beschreibung">
+            <a:extLst>
+              <a:ext uri="{FF2B5EF4-FFF2-40B4-BE49-F238E27FC236}">
+                <a16:creationId xmlns:a16="http://schemas.microsoft.com/office/drawing/2014/main" id="{EA067AC0-A7A5-4A98-A0CD-DCBDA6005542}"/>
+              </a:ext>
+            </a:extLst>
+          </p:cNvPr>
+          <p:cNvPicPr>
+            <a:picLocks noChangeAspect="1"/>
+          </p:cNvPicPr>
+          <p:nvPr/>
+        </p:nvPicPr>
+        <p:blipFill>
+          <a:blip r:embed="rId3">
+            <a:extLst>
+              <a:ext uri="{28A0092B-C50C-407E-A947-70E740481C1C}">
+                <a14:useLocalDpi xmlns:a14="http://schemas.microsoft.com/office/drawing/2010/main" val="0"/>
+              </a:ext>
+            </a:extLst>
+          </a:blip>
+          <a:stretch>
+            <a:fillRect/>
+          </a:stretch>
+        </p:blipFill>
+        <p:spPr>
+          <a:xfrm>
+            <a:off x="8301984" y="3672673"/>
+            <a:ext cx="3051816" cy="2290577"/>
+          </a:xfrm>
+          <a:prstGeom prst="rect">
+            <a:avLst/>
+          </a:prstGeom>
+        </p:spPr>
+      </p:pic>
     </p:spTree>
     <p:extLst>
       <p:ext uri="{BB962C8B-B14F-4D97-AF65-F5344CB8AC3E}">

--- a/Präsi/Digitales Theremin.pptx
+++ b/Präsi/Digitales Theremin.pptx
@@ -10,13 +10,13 @@
   <p:sldIdLst>
     <p:sldId id="268" r:id="rId2"/>
     <p:sldId id="256" r:id="rId3"/>
-    <p:sldId id="257" r:id="rId4"/>
-    <p:sldId id="258" r:id="rId5"/>
+    <p:sldId id="277" r:id="rId4"/>
+    <p:sldId id="278" r:id="rId5"/>
     <p:sldId id="259" r:id="rId6"/>
     <p:sldId id="271" r:id="rId7"/>
     <p:sldId id="272" r:id="rId8"/>
-    <p:sldId id="273" r:id="rId9"/>
-    <p:sldId id="274" r:id="rId10"/>
+    <p:sldId id="279" r:id="rId9"/>
+    <p:sldId id="280" r:id="rId10"/>
     <p:sldId id="275" r:id="rId11"/>
     <p:sldId id="276" r:id="rId12"/>
     <p:sldId id="262" r:id="rId13"/>
@@ -752,22 +752,15 @@
           <a:bodyPr/>
           <a:lstStyle/>
           <a:p>
-            <a:r>
-              <a:rPr lang="de-CH" dirty="0"/>
-              <a:t>Ein Analoges Theremin ist nach diesem Blockschaltbild aufgebaut.  Der obere Teil ist für die Tonhöhengenerierung </a:t>
-            </a:r>
-            <a:r>
-              <a:rPr lang="de-CH" dirty="0" err="1"/>
-              <a:t>zustöndig</a:t>
-            </a:r>
-            <a:r>
-              <a:rPr lang="de-CH" dirty="0"/>
-              <a:t>. Durch eine Handbewegung wird das Elektrische Feld des</a:t>
-            </a:r>
-          </a:p>
-          <a:p>
-            <a:r>
-              <a:rPr lang="de-DE" sz="1200" b="0" i="0" kern="1200" dirty="0">
+            <a:br>
+              <a:rPr lang="de-DE" dirty="0"/>
+            </a:br>
+            <a:r>
+              <a:rPr lang="de-DE" dirty="0"/>
+              <a:t>-</a:t>
+            </a:r>
+            <a:r>
+              <a:rPr lang="de-CH" sz="1200" b="0" i="0" kern="1200" dirty="0">
                 <a:solidFill>
                   <a:schemeClr val="tx1"/>
                 </a:solidFill>
@@ -776,47 +769,10 @@
                 <a:ea typeface="+mn-ea"/>
                 <a:cs typeface="+mn-cs"/>
               </a:rPr>
-              <a:t>durch  den Antennenoszillator erzeugte elektrische Feld beeinflusst. Die Frequenz dieser Oszillatoren ist jedoch weit über dem hörbaren Bereich (zwischen 100 kHz bis 1 MHz). Mit Hilfe eines Mischers und einem Referenzoszillator wird die Frequenzdifferenz hörbar gemacht und danach</a:t>
+              <a:t>elektronische Instrument  berührungslos spielbar  über Antennen</a:t>
             </a:r>
             <a:br>
-              <a:rPr lang="de-DE" sz="1200" b="0" i="0" kern="1200" dirty="0">
-                <a:solidFill>
-                  <a:schemeClr val="tx1"/>
-                </a:solidFill>
-                <a:effectLst/>
-                <a:latin typeface="+mn-lt"/>
-                <a:ea typeface="+mn-ea"/>
-                <a:cs typeface="+mn-cs"/>
-              </a:rPr>
-            </a:br>
-            <a:r>
-              <a:rPr lang="de-DE" sz="1200" b="0" i="0" kern="1200" dirty="0" err="1">
-                <a:solidFill>
-                  <a:schemeClr val="tx1"/>
-                </a:solidFill>
-                <a:effectLst/>
-                <a:latin typeface="+mn-lt"/>
-                <a:ea typeface="+mn-ea"/>
-                <a:cs typeface="+mn-cs"/>
-              </a:rPr>
-              <a:t>tiefpass</a:t>
-            </a:r>
-            <a:r>
-              <a:rPr lang="de-DE" sz="1200" b="0" i="0" kern="1200">
-                <a:solidFill>
-                  <a:schemeClr val="tx1"/>
-                </a:solidFill>
-                <a:effectLst/>
-                <a:latin typeface="+mn-lt"/>
-                <a:ea typeface="+mn-ea"/>
-                <a:cs typeface="+mn-cs"/>
-              </a:rPr>
-              <a:t> gefiltert.</a:t>
-            </a:r>
-          </a:p>
-          <a:p>
-            <a:br>
-              <a:rPr lang="de-DE" dirty="0"/>
+              <a:rPr lang="de-CH" dirty="0"/>
             </a:br>
             <a:endParaRPr lang="de-CH" dirty="0"/>
           </a:p>
@@ -859,6 +815,90 @@
 </file>
 
 <file path=ppt/notesSlides/notesSlide3.xml><?xml version="1.0" encoding="utf-8"?>
+<p:notes xmlns:a="http://schemas.openxmlformats.org/drawingml/2006/main" xmlns:r="http://schemas.openxmlformats.org/officeDocument/2006/relationships" xmlns:p="http://schemas.openxmlformats.org/presentationml/2006/main">
+  <p:cSld>
+    <p:spTree>
+      <p:nvGrpSpPr>
+        <p:cNvPr id="1" name=""/>
+        <p:cNvGrpSpPr/>
+        <p:nvPr/>
+      </p:nvGrpSpPr>
+      <p:grpSpPr>
+        <a:xfrm>
+          <a:off x="0" y="0"/>
+          <a:ext cx="0" cy="0"/>
+          <a:chOff x="0" y="0"/>
+          <a:chExt cx="0" cy="0"/>
+        </a:xfrm>
+      </p:grpSpPr>
+      <p:sp>
+        <p:nvSpPr>
+          <p:cNvPr id="2" name="Folienbildplatzhalter 1"/>
+          <p:cNvSpPr>
+            <a:spLocks noGrp="1" noRot="1" noChangeAspect="1"/>
+          </p:cNvSpPr>
+          <p:nvPr>
+            <p:ph type="sldImg"/>
+          </p:nvPr>
+        </p:nvSpPr>
+        <p:spPr/>
+      </p:sp>
+      <p:sp>
+        <p:nvSpPr>
+          <p:cNvPr id="3" name="Notizenplatzhalter 2"/>
+          <p:cNvSpPr>
+            <a:spLocks noGrp="1"/>
+          </p:cNvSpPr>
+          <p:nvPr>
+            <p:ph type="body" idx="1"/>
+          </p:nvPr>
+        </p:nvSpPr>
+        <p:spPr/>
+        <p:txBody>
+          <a:bodyPr/>
+          <a:lstStyle/>
+          <a:p>
+            <a:endParaRPr lang="de-CH" dirty="0"/>
+          </a:p>
+        </p:txBody>
+      </p:sp>
+      <p:sp>
+        <p:nvSpPr>
+          <p:cNvPr id="4" name="Foliennummernplatzhalter 3"/>
+          <p:cNvSpPr>
+            <a:spLocks noGrp="1"/>
+          </p:cNvSpPr>
+          <p:nvPr>
+            <p:ph type="sldNum" sz="quarter" idx="5"/>
+          </p:nvPr>
+        </p:nvSpPr>
+        <p:spPr/>
+        <p:txBody>
+          <a:bodyPr/>
+          <a:lstStyle/>
+          <a:p>
+            <a:fld id="{4AF7BDC6-FE9C-400C-8229-D5026B80B9D3}" type="slidenum">
+              <a:rPr lang="de-CH" smtClean="0"/>
+              <a:t>4</a:t>
+            </a:fld>
+            <a:endParaRPr lang="de-CH"/>
+          </a:p>
+        </p:txBody>
+      </p:sp>
+    </p:spTree>
+    <p:extLst>
+      <p:ext uri="{BB962C8B-B14F-4D97-AF65-F5344CB8AC3E}">
+        <p14:creationId xmlns:p14="http://schemas.microsoft.com/office/powerpoint/2010/main" val="1015673800"/>
+      </p:ext>
+    </p:extLst>
+  </p:cSld>
+  <p:clrMapOvr>
+    <a:masterClrMapping/>
+  </p:clrMapOvr>
+</p:notes>
+</file>
+
+<file path=ppt/notesSlides/notesSlide4.xml><?xml version="1.0" encoding="utf-8"?>
 <p:notes xmlns:a="http://schemas.openxmlformats.org/drawingml/2006/main" xmlns:r="http://schemas.openxmlformats.org/officeDocument/2006/relationships" xmlns:p="http://schemas.openxmlformats.org/presentationml/2006/main">
   <p:cSld>
     <p:spTree>
@@ -4857,6 +4897,45 @@
           <a:chExt cx="0" cy="0"/>
         </a:xfrm>
       </p:grpSpPr>
+      <p:pic>
+        <p:nvPicPr>
+          <p:cNvPr id="37" name="Grafik 36">
+            <a:extLst>
+              <a:ext uri="{FF2B5EF4-FFF2-40B4-BE49-F238E27FC236}">
+                <a16:creationId xmlns:a16="http://schemas.microsoft.com/office/drawing/2014/main" id="{8027D812-E78B-48A8-9904-5C030E163F9B}"/>
+              </a:ext>
+            </a:extLst>
+          </p:cNvPr>
+          <p:cNvPicPr>
+            <a:picLocks noChangeAspect="1"/>
+          </p:cNvPicPr>
+          <p:nvPr/>
+        </p:nvPicPr>
+        <p:blipFill>
+          <a:blip r:embed="rId3">
+            <a:extLst>
+              <a:ext uri="{28A0092B-C50C-407E-A947-70E740481C1C}">
+                <a14:useLocalDpi xmlns:a14="http://schemas.microsoft.com/office/drawing/2010/main" val="0"/>
+              </a:ext>
+              <a:ext uri="{96DAC541-7B7A-43D3-8B79-37D633B846F1}">
+                <asvg:svgBlip xmlns:asvg="http://schemas.microsoft.com/office/drawing/2016/SVG/main" r:embed="rId4"/>
+              </a:ext>
+            </a:extLst>
+          </a:blip>
+          <a:stretch>
+            <a:fillRect/>
+          </a:stretch>
+        </p:blipFill>
+        <p:spPr>
+          <a:xfrm>
+            <a:off x="1880255" y="-157150"/>
+            <a:ext cx="8431489" cy="11925142"/>
+          </a:xfrm>
+          <a:prstGeom prst="rect">
+            <a:avLst/>
+          </a:prstGeom>
+        </p:spPr>
+      </p:pic>
       <p:sp>
         <p:nvSpPr>
           <p:cNvPr id="2" name="Titel 1">
@@ -4887,10 +4966,10 @@
       </p:sp>
       <p:sp>
         <p:nvSpPr>
-          <p:cNvPr id="3" name="Textfeld 2">
-            <a:extLst>
-              <a:ext uri="{FF2B5EF4-FFF2-40B4-BE49-F238E27FC236}">
-                <a16:creationId xmlns:a16="http://schemas.microsoft.com/office/drawing/2014/main" id="{290E00C1-46E4-42D9-8D58-01DA25223975}"/>
+          <p:cNvPr id="14" name="Textfeld 13">
+            <a:extLst>
+              <a:ext uri="{FF2B5EF4-FFF2-40B4-BE49-F238E27FC236}">
+                <a16:creationId xmlns:a16="http://schemas.microsoft.com/office/drawing/2014/main" id="{9D77A7EE-4FBE-46EB-96E0-9F6CF0BA9029}"/>
               </a:ext>
             </a:extLst>
           </p:cNvPr>
@@ -4899,8 +4978,8 @@
         </p:nvSpPr>
         <p:spPr>
           <a:xfrm>
-            <a:off x="3891280" y="3688080"/>
-            <a:ext cx="1583575" cy="369332"/>
+            <a:off x="669587" y="2118951"/>
+            <a:ext cx="2047875" cy="369332"/>
           </a:xfrm>
           <a:prstGeom prst="rect">
             <a:avLst/>
@@ -4908,6 +4987,41 @@
           <a:noFill/>
         </p:spPr>
         <p:txBody>
+          <a:bodyPr wrap="square" rtlCol="0">
+            <a:spAutoFit/>
+          </a:bodyPr>
+          <a:lstStyle/>
+          <a:p>
+            <a:r>
+              <a:rPr lang="de-CH" dirty="0"/>
+              <a:t>Lautstärkenantenne</a:t>
+            </a:r>
+          </a:p>
+        </p:txBody>
+      </p:sp>
+      <p:sp>
+        <p:nvSpPr>
+          <p:cNvPr id="22" name="Textfeld 21">
+            <a:extLst>
+              <a:ext uri="{FF2B5EF4-FFF2-40B4-BE49-F238E27FC236}">
+                <a16:creationId xmlns:a16="http://schemas.microsoft.com/office/drawing/2014/main" id="{68E53F0C-8287-425A-9919-8F77051B11D0}"/>
+              </a:ext>
+            </a:extLst>
+          </p:cNvPr>
+          <p:cNvSpPr txBox="1"/>
+          <p:nvPr/>
+        </p:nvSpPr>
+        <p:spPr>
+          <a:xfrm>
+            <a:off x="669587" y="5599175"/>
+            <a:ext cx="1901996" cy="646331"/>
+          </a:xfrm>
+          <a:prstGeom prst="rect">
+            <a:avLst/>
+          </a:prstGeom>
+          <a:noFill/>
+        </p:spPr>
+        <p:txBody>
           <a:bodyPr wrap="none" rtlCol="0">
             <a:spAutoFit/>
           </a:bodyPr>
@@ -4915,7 +5029,382 @@
           <a:p>
             <a:r>
               <a:rPr lang="de-CH" dirty="0"/>
-              <a:t>Blockschaltbild</a:t>
+              <a:t>Tonhöhenantenne</a:t>
+            </a:r>
+          </a:p>
+          <a:p>
+            <a:endParaRPr lang="de-CH" dirty="0"/>
+          </a:p>
+        </p:txBody>
+      </p:sp>
+      <p:sp>
+        <p:nvSpPr>
+          <p:cNvPr id="23" name="Textfeld 22">
+            <a:extLst>
+              <a:ext uri="{FF2B5EF4-FFF2-40B4-BE49-F238E27FC236}">
+                <a16:creationId xmlns:a16="http://schemas.microsoft.com/office/drawing/2014/main" id="{B0C7FA03-08E8-4DDB-84A8-3C642A81A0B9}"/>
+              </a:ext>
+            </a:extLst>
+          </p:cNvPr>
+          <p:cNvSpPr txBox="1"/>
+          <p:nvPr/>
+        </p:nvSpPr>
+        <p:spPr>
+          <a:xfrm>
+            <a:off x="3434350" y="2745219"/>
+            <a:ext cx="1348446" cy="646331"/>
+          </a:xfrm>
+          <a:prstGeom prst="rect">
+            <a:avLst/>
+          </a:prstGeom>
+          <a:noFill/>
+        </p:spPr>
+        <p:txBody>
+          <a:bodyPr wrap="none" rtlCol="0">
+            <a:spAutoFit/>
+          </a:bodyPr>
+          <a:lstStyle/>
+          <a:p>
+            <a:pPr algn="ctr"/>
+            <a:r>
+              <a:rPr lang="de-CH" dirty="0"/>
+              <a:t>Lautstärken-</a:t>
+            </a:r>
+          </a:p>
+          <a:p>
+            <a:pPr algn="ctr"/>
+            <a:r>
+              <a:rPr lang="de-CH" dirty="0" err="1"/>
+              <a:t>oszillator</a:t>
+            </a:r>
+            <a:endParaRPr lang="de-CH" dirty="0"/>
+          </a:p>
+        </p:txBody>
+      </p:sp>
+      <p:sp>
+        <p:nvSpPr>
+          <p:cNvPr id="24" name="Textfeld 23">
+            <a:extLst>
+              <a:ext uri="{FF2B5EF4-FFF2-40B4-BE49-F238E27FC236}">
+                <a16:creationId xmlns:a16="http://schemas.microsoft.com/office/drawing/2014/main" id="{CBA15147-4883-4A2E-B2C9-472B3341EBAF}"/>
+              </a:ext>
+            </a:extLst>
+          </p:cNvPr>
+          <p:cNvSpPr txBox="1"/>
+          <p:nvPr/>
+        </p:nvSpPr>
+        <p:spPr>
+          <a:xfrm>
+            <a:off x="5139316" y="2745220"/>
+            <a:ext cx="1146468" cy="646331"/>
+          </a:xfrm>
+          <a:prstGeom prst="rect">
+            <a:avLst/>
+          </a:prstGeom>
+          <a:noFill/>
+        </p:spPr>
+        <p:txBody>
+          <a:bodyPr wrap="none" rtlCol="0">
+            <a:spAutoFit/>
+          </a:bodyPr>
+          <a:lstStyle/>
+          <a:p>
+            <a:pPr algn="ctr"/>
+            <a:r>
+              <a:rPr lang="de-CH" dirty="0"/>
+              <a:t>Bandpass-</a:t>
+            </a:r>
+          </a:p>
+          <a:p>
+            <a:pPr algn="ctr"/>
+            <a:r>
+              <a:rPr lang="de-CH" dirty="0" err="1"/>
+              <a:t>filter</a:t>
+            </a:r>
+            <a:endParaRPr lang="de-CH" dirty="0"/>
+          </a:p>
+        </p:txBody>
+      </p:sp>
+      <p:sp>
+        <p:nvSpPr>
+          <p:cNvPr id="25" name="Textfeld 24">
+            <a:extLst>
+              <a:ext uri="{FF2B5EF4-FFF2-40B4-BE49-F238E27FC236}">
+                <a16:creationId xmlns:a16="http://schemas.microsoft.com/office/drawing/2014/main" id="{EC8036FB-62C6-47C9-A7A0-02FFE239FB3D}"/>
+              </a:ext>
+            </a:extLst>
+          </p:cNvPr>
+          <p:cNvSpPr txBox="1"/>
+          <p:nvPr/>
+        </p:nvSpPr>
+        <p:spPr>
+          <a:xfrm>
+            <a:off x="6642304" y="2745219"/>
+            <a:ext cx="1271630" cy="646331"/>
+          </a:xfrm>
+          <a:prstGeom prst="rect">
+            <a:avLst/>
+          </a:prstGeom>
+          <a:noFill/>
+        </p:spPr>
+        <p:txBody>
+          <a:bodyPr wrap="none" rtlCol="0">
+            <a:spAutoFit/>
+          </a:bodyPr>
+          <a:lstStyle/>
+          <a:p>
+            <a:pPr algn="ctr"/>
+            <a:r>
+              <a:rPr lang="de-CH" dirty="0"/>
+              <a:t>Hüllkurven-</a:t>
+            </a:r>
+          </a:p>
+          <a:p>
+            <a:pPr algn="ctr"/>
+            <a:r>
+              <a:rPr lang="de-CH" dirty="0" err="1"/>
+              <a:t>detektor</a:t>
+            </a:r>
+            <a:endParaRPr lang="de-CH" dirty="0"/>
+          </a:p>
+        </p:txBody>
+      </p:sp>
+      <p:sp>
+        <p:nvSpPr>
+          <p:cNvPr id="26" name="Textfeld 25">
+            <a:extLst>
+              <a:ext uri="{FF2B5EF4-FFF2-40B4-BE49-F238E27FC236}">
+                <a16:creationId xmlns:a16="http://schemas.microsoft.com/office/drawing/2014/main" id="{7BBC33CD-D97A-4F00-8D82-281E368D4700}"/>
+              </a:ext>
+            </a:extLst>
+          </p:cNvPr>
+          <p:cNvSpPr txBox="1"/>
+          <p:nvPr/>
+        </p:nvSpPr>
+        <p:spPr>
+          <a:xfrm>
+            <a:off x="3570829" y="4187395"/>
+            <a:ext cx="1075487" cy="646331"/>
+          </a:xfrm>
+          <a:prstGeom prst="rect">
+            <a:avLst/>
+          </a:prstGeom>
+          <a:noFill/>
+        </p:spPr>
+        <p:txBody>
+          <a:bodyPr wrap="none" rtlCol="0">
+            <a:spAutoFit/>
+          </a:bodyPr>
+          <a:lstStyle/>
+          <a:p>
+            <a:pPr algn="ctr"/>
+            <a:r>
+              <a:rPr lang="de-CH" dirty="0"/>
+              <a:t>Referenz-</a:t>
+            </a:r>
+          </a:p>
+          <a:p>
+            <a:pPr algn="ctr"/>
+            <a:r>
+              <a:rPr lang="de-CH" dirty="0" err="1"/>
+              <a:t>oszillator</a:t>
+            </a:r>
+            <a:endParaRPr lang="de-CH" dirty="0"/>
+          </a:p>
+        </p:txBody>
+      </p:sp>
+      <p:sp>
+        <p:nvSpPr>
+          <p:cNvPr id="27" name="Textfeld 26">
+            <a:extLst>
+              <a:ext uri="{FF2B5EF4-FFF2-40B4-BE49-F238E27FC236}">
+                <a16:creationId xmlns:a16="http://schemas.microsoft.com/office/drawing/2014/main" id="{E53A46F5-13CA-4B98-BC69-459505B815A9}"/>
+              </a:ext>
+            </a:extLst>
+          </p:cNvPr>
+          <p:cNvSpPr txBox="1"/>
+          <p:nvPr/>
+        </p:nvSpPr>
+        <p:spPr>
+          <a:xfrm>
+            <a:off x="2972014" y="6211669"/>
+            <a:ext cx="2273115" cy="646331"/>
+          </a:xfrm>
+          <a:prstGeom prst="rect">
+            <a:avLst/>
+          </a:prstGeom>
+          <a:noFill/>
+        </p:spPr>
+        <p:txBody>
+          <a:bodyPr wrap="square" rtlCol="0">
+            <a:spAutoFit/>
+          </a:bodyPr>
+          <a:lstStyle/>
+          <a:p>
+            <a:pPr algn="ctr"/>
+            <a:r>
+              <a:rPr lang="de-CH" dirty="0"/>
+              <a:t>Tonhöhen-</a:t>
+            </a:r>
+          </a:p>
+          <a:p>
+            <a:pPr algn="ctr"/>
+            <a:r>
+              <a:rPr lang="de-CH" dirty="0" err="1"/>
+              <a:t>oszillator</a:t>
+            </a:r>
+            <a:endParaRPr lang="de-CH" dirty="0"/>
+          </a:p>
+        </p:txBody>
+      </p:sp>
+      <p:sp>
+        <p:nvSpPr>
+          <p:cNvPr id="28" name="Textfeld 27">
+            <a:extLst>
+              <a:ext uri="{FF2B5EF4-FFF2-40B4-BE49-F238E27FC236}">
+                <a16:creationId xmlns:a16="http://schemas.microsoft.com/office/drawing/2014/main" id="{FA60EB57-4B4E-4654-8D94-4C562F324B07}"/>
+              </a:ext>
+            </a:extLst>
+          </p:cNvPr>
+          <p:cNvSpPr txBox="1"/>
+          <p:nvPr/>
+        </p:nvSpPr>
+        <p:spPr>
+          <a:xfrm>
+            <a:off x="5551892" y="4022687"/>
+            <a:ext cx="939681" cy="369332"/>
+          </a:xfrm>
+          <a:prstGeom prst="rect">
+            <a:avLst/>
+          </a:prstGeom>
+          <a:noFill/>
+        </p:spPr>
+        <p:txBody>
+          <a:bodyPr wrap="none" rtlCol="0">
+            <a:spAutoFit/>
+          </a:bodyPr>
+          <a:lstStyle/>
+          <a:p>
+            <a:pPr algn="ctr"/>
+            <a:r>
+              <a:rPr lang="de-CH" dirty="0"/>
+              <a:t>Mischer</a:t>
+            </a:r>
+          </a:p>
+        </p:txBody>
+      </p:sp>
+      <p:sp>
+        <p:nvSpPr>
+          <p:cNvPr id="29" name="Textfeld 28">
+            <a:extLst>
+              <a:ext uri="{FF2B5EF4-FFF2-40B4-BE49-F238E27FC236}">
+                <a16:creationId xmlns:a16="http://schemas.microsoft.com/office/drawing/2014/main" id="{725EC96A-154A-4592-B683-C82050011F22}"/>
+              </a:ext>
+            </a:extLst>
+          </p:cNvPr>
+          <p:cNvSpPr txBox="1"/>
+          <p:nvPr/>
+        </p:nvSpPr>
+        <p:spPr>
+          <a:xfrm>
+            <a:off x="6739039" y="5276009"/>
+            <a:ext cx="1016176" cy="646331"/>
+          </a:xfrm>
+          <a:prstGeom prst="rect">
+            <a:avLst/>
+          </a:prstGeom>
+          <a:noFill/>
+        </p:spPr>
+        <p:txBody>
+          <a:bodyPr wrap="none" rtlCol="0">
+            <a:spAutoFit/>
+          </a:bodyPr>
+          <a:lstStyle/>
+          <a:p>
+            <a:pPr algn="ctr"/>
+            <a:r>
+              <a:rPr lang="de-CH" dirty="0"/>
+              <a:t>Tiefpass-</a:t>
+            </a:r>
+          </a:p>
+          <a:p>
+            <a:pPr algn="ctr"/>
+            <a:r>
+              <a:rPr lang="de-CH" dirty="0" err="1"/>
+              <a:t>filter</a:t>
+            </a:r>
+            <a:endParaRPr lang="de-CH" dirty="0"/>
+          </a:p>
+        </p:txBody>
+      </p:sp>
+      <p:sp>
+        <p:nvSpPr>
+          <p:cNvPr id="30" name="Textfeld 29">
+            <a:extLst>
+              <a:ext uri="{FF2B5EF4-FFF2-40B4-BE49-F238E27FC236}">
+                <a16:creationId xmlns:a16="http://schemas.microsoft.com/office/drawing/2014/main" id="{FA8F744B-5550-420A-BC53-AD77142F3576}"/>
+              </a:ext>
+            </a:extLst>
+          </p:cNvPr>
+          <p:cNvSpPr txBox="1"/>
+          <p:nvPr/>
+        </p:nvSpPr>
+        <p:spPr>
+          <a:xfrm>
+            <a:off x="8465533" y="5272613"/>
+            <a:ext cx="1140633" cy="369332"/>
+          </a:xfrm>
+          <a:prstGeom prst="rect">
+            <a:avLst/>
+          </a:prstGeom>
+          <a:noFill/>
+        </p:spPr>
+        <p:txBody>
+          <a:bodyPr wrap="none" rtlCol="0">
+            <a:spAutoFit/>
+          </a:bodyPr>
+          <a:lstStyle/>
+          <a:p>
+            <a:pPr algn="ctr"/>
+            <a:r>
+              <a:rPr lang="de-CH" dirty="0"/>
+              <a:t>Verstärker</a:t>
+            </a:r>
+          </a:p>
+        </p:txBody>
+      </p:sp>
+      <p:sp>
+        <p:nvSpPr>
+          <p:cNvPr id="31" name="Textfeld 30">
+            <a:extLst>
+              <a:ext uri="{FF2B5EF4-FFF2-40B4-BE49-F238E27FC236}">
+                <a16:creationId xmlns:a16="http://schemas.microsoft.com/office/drawing/2014/main" id="{4CF39291-A5EB-40E0-B776-64E3B1C4F1ED}"/>
+              </a:ext>
+            </a:extLst>
+          </p:cNvPr>
+          <p:cNvSpPr txBox="1"/>
+          <p:nvPr/>
+        </p:nvSpPr>
+        <p:spPr>
+          <a:xfrm>
+            <a:off x="9606166" y="4048703"/>
+            <a:ext cx="1411156" cy="369332"/>
+          </a:xfrm>
+          <a:prstGeom prst="rect">
+            <a:avLst/>
+          </a:prstGeom>
+          <a:noFill/>
+        </p:spPr>
+        <p:txBody>
+          <a:bodyPr wrap="none" rtlCol="0">
+            <a:spAutoFit/>
+          </a:bodyPr>
+          <a:lstStyle/>
+          <a:p>
+            <a:pPr algn="ctr"/>
+            <a:r>
+              <a:rPr lang="de-CH" dirty="0"/>
+              <a:t>Lautsprecher</a:t>
             </a:r>
           </a:p>
         </p:txBody>
@@ -4923,7 +5412,7 @@
     </p:spTree>
     <p:extLst>
       <p:ext uri="{BB962C8B-B14F-4D97-AF65-F5344CB8AC3E}">
-        <p14:creationId xmlns:p14="http://schemas.microsoft.com/office/powerpoint/2010/main" val="1955826492"/>
+        <p14:creationId xmlns:p14="http://schemas.microsoft.com/office/powerpoint/2010/main" val="2867423354"/>
       </p:ext>
     </p:extLst>
   </p:cSld>
@@ -4978,10 +5467,64 @@
           </a:p>
         </p:txBody>
       </p:sp>
+      <p:sp>
+        <p:nvSpPr>
+          <p:cNvPr id="4" name="Inhaltsplatzhalter 2">
+            <a:extLst>
+              <a:ext uri="{FF2B5EF4-FFF2-40B4-BE49-F238E27FC236}">
+                <a16:creationId xmlns:a16="http://schemas.microsoft.com/office/drawing/2014/main" id="{7D4E7A7F-41FF-4358-9DCF-5144897C2046}"/>
+              </a:ext>
+            </a:extLst>
+          </p:cNvPr>
+          <p:cNvSpPr>
+            <a:spLocks noGrp="1"/>
+          </p:cNvSpPr>
+          <p:nvPr>
+            <p:ph idx="1"/>
+          </p:nvPr>
+        </p:nvSpPr>
+        <p:spPr>
+          <a:xfrm>
+            <a:off x="838200" y="1825625"/>
+            <a:ext cx="10515600" cy="4351338"/>
+          </a:xfrm>
+        </p:spPr>
+        <p:txBody>
+          <a:bodyPr/>
+          <a:lstStyle/>
+          <a:p>
+            <a:r>
+              <a:rPr lang="de-CH" dirty="0"/>
+              <a:t>digital</a:t>
+            </a:r>
+          </a:p>
+          <a:p>
+            <a:r>
+              <a:rPr lang="de-CH" dirty="0"/>
+              <a:t>Bedienung über Display</a:t>
+            </a:r>
+          </a:p>
+          <a:p>
+            <a:r>
+              <a:rPr lang="de-CH" dirty="0"/>
+              <a:t>Zusatzfunktionen</a:t>
+            </a:r>
+          </a:p>
+          <a:p>
+            <a:r>
+              <a:rPr lang="de-CH" dirty="0"/>
+              <a:t>Gehäuse</a:t>
+            </a:r>
+          </a:p>
+          <a:p>
+            <a:endParaRPr lang="de-CH" dirty="0"/>
+          </a:p>
+        </p:txBody>
+      </p:sp>
     </p:spTree>
     <p:extLst>
       <p:ext uri="{BB962C8B-B14F-4D97-AF65-F5344CB8AC3E}">
-        <p14:creationId xmlns:p14="http://schemas.microsoft.com/office/powerpoint/2010/main" val="4284461580"/>
+        <p14:creationId xmlns:p14="http://schemas.microsoft.com/office/powerpoint/2010/main" val="4152684690"/>
       </p:ext>
     </p:extLst>
   </p:cSld>
@@ -5505,35 +6048,256 @@
           </a:p>
         </p:txBody>
       </p:sp>
-      <p:sp>
-        <p:nvSpPr>
-          <p:cNvPr id="3" name="Inhaltsplatzhalter 2">
-            <a:extLst>
-              <a:ext uri="{FF2B5EF4-FFF2-40B4-BE49-F238E27FC236}">
-                <a16:creationId xmlns:a16="http://schemas.microsoft.com/office/drawing/2014/main" id="{72407B56-6A19-4961-8482-D45DA83F06A1}"/>
-              </a:ext>
-            </a:extLst>
-          </p:cNvPr>
-          <p:cNvSpPr>
-            <a:spLocks noGrp="1"/>
-          </p:cNvSpPr>
+      <p:pic>
+        <p:nvPicPr>
+          <p:cNvPr id="5" name="Inhaltsplatzhalter 4" descr="Ein Bild, das Uhr enthält.&#10;&#10;Automatisch generierte Beschreibung">
+            <a:extLst>
+              <a:ext uri="{FF2B5EF4-FFF2-40B4-BE49-F238E27FC236}">
+                <a16:creationId xmlns:a16="http://schemas.microsoft.com/office/drawing/2014/main" id="{08281019-F05E-4CB0-AD92-0ED0725819FF}"/>
+              </a:ext>
+            </a:extLst>
+          </p:cNvPr>
+          <p:cNvPicPr>
+            <a:picLocks noGrp="1" noChangeAspect="1"/>
+          </p:cNvPicPr>
           <p:nvPr>
             <p:ph idx="1"/>
           </p:nvPr>
-        </p:nvSpPr>
-        <p:spPr/>
-        <p:txBody>
-          <a:bodyPr/>
-          <a:lstStyle/>
-          <a:p>
-            <a:endParaRPr lang="de-CH"/>
+        </p:nvPicPr>
+        <p:blipFill>
+          <a:blip r:embed="rId2">
+            <a:extLst>
+              <a:ext uri="{28A0092B-C50C-407E-A947-70E740481C1C}">
+                <a14:useLocalDpi xmlns:a14="http://schemas.microsoft.com/office/drawing/2010/main" val="0"/>
+              </a:ext>
+            </a:extLst>
+          </a:blip>
+          <a:stretch>
+            <a:fillRect/>
+          </a:stretch>
+        </p:blipFill>
+        <p:spPr>
+          <a:xfrm>
+            <a:off x="6954479" y="1825625"/>
+            <a:ext cx="3051816" cy="2290577"/>
+          </a:xfrm>
+        </p:spPr>
+      </p:pic>
+      <p:sp>
+        <p:nvSpPr>
+          <p:cNvPr id="6" name="Inhaltsplatzhalter 2">
+            <a:extLst>
+              <a:ext uri="{FF2B5EF4-FFF2-40B4-BE49-F238E27FC236}">
+                <a16:creationId xmlns:a16="http://schemas.microsoft.com/office/drawing/2014/main" id="{30679BFB-C39C-41A3-A81C-F3C010F7D66F}"/>
+              </a:ext>
+            </a:extLst>
+          </p:cNvPr>
+          <p:cNvSpPr txBox="1">
+            <a:spLocks/>
+          </p:cNvSpPr>
+          <p:nvPr/>
+        </p:nvSpPr>
+        <p:spPr>
+          <a:xfrm>
+            <a:off x="838200" y="1825625"/>
+            <a:ext cx="10515600" cy="4351338"/>
+          </a:xfrm>
+          <a:prstGeom prst="rect">
+            <a:avLst/>
+          </a:prstGeom>
+        </p:spPr>
+        <p:txBody>
+          <a:bodyPr vert="horz" lIns="91440" tIns="45720" rIns="91440" bIns="45720" rtlCol="0">
+            <a:normAutofit/>
+          </a:bodyPr>
+          <a:lstStyle>
+            <a:lvl1pPr marL="228600" indent="-228600" algn="l" defTabSz="914400" rtl="0" eaLnBrk="1" latinLnBrk="0" hangingPunct="1">
+              <a:lnSpc>
+                <a:spcPct val="90000"/>
+              </a:lnSpc>
+              <a:spcBef>
+                <a:spcPts val="1000"/>
+              </a:spcBef>
+              <a:buFont typeface="Arial" panose="020B0604020202020204" pitchFamily="34" charset="0"/>
+              <a:buChar char="•"/>
+              <a:defRPr sz="2800" kern="1200">
+                <a:solidFill>
+                  <a:schemeClr val="tx1"/>
+                </a:solidFill>
+                <a:latin typeface="+mn-lt"/>
+                <a:ea typeface="+mn-ea"/>
+                <a:cs typeface="+mn-cs"/>
+              </a:defRPr>
+            </a:lvl1pPr>
+            <a:lvl2pPr marL="685800" indent="-228600" algn="l" defTabSz="914400" rtl="0" eaLnBrk="1" latinLnBrk="0" hangingPunct="1">
+              <a:lnSpc>
+                <a:spcPct val="90000"/>
+              </a:lnSpc>
+              <a:spcBef>
+                <a:spcPts val="500"/>
+              </a:spcBef>
+              <a:buFont typeface="Arial" panose="020B0604020202020204" pitchFamily="34" charset="0"/>
+              <a:buChar char="•"/>
+              <a:defRPr sz="2400" kern="1200">
+                <a:solidFill>
+                  <a:schemeClr val="tx1"/>
+                </a:solidFill>
+                <a:latin typeface="+mn-lt"/>
+                <a:ea typeface="+mn-ea"/>
+                <a:cs typeface="+mn-cs"/>
+              </a:defRPr>
+            </a:lvl2pPr>
+            <a:lvl3pPr marL="1143000" indent="-228600" algn="l" defTabSz="914400" rtl="0" eaLnBrk="1" latinLnBrk="0" hangingPunct="1">
+              <a:lnSpc>
+                <a:spcPct val="90000"/>
+              </a:lnSpc>
+              <a:spcBef>
+                <a:spcPts val="500"/>
+              </a:spcBef>
+              <a:buFont typeface="Arial" panose="020B0604020202020204" pitchFamily="34" charset="0"/>
+              <a:buChar char="•"/>
+              <a:defRPr sz="2000" kern="1200">
+                <a:solidFill>
+                  <a:schemeClr val="tx1"/>
+                </a:solidFill>
+                <a:latin typeface="+mn-lt"/>
+                <a:ea typeface="+mn-ea"/>
+                <a:cs typeface="+mn-cs"/>
+              </a:defRPr>
+            </a:lvl3pPr>
+            <a:lvl4pPr marL="1600200" indent="-228600" algn="l" defTabSz="914400" rtl="0" eaLnBrk="1" latinLnBrk="0" hangingPunct="1">
+              <a:lnSpc>
+                <a:spcPct val="90000"/>
+              </a:lnSpc>
+              <a:spcBef>
+                <a:spcPts val="500"/>
+              </a:spcBef>
+              <a:buFont typeface="Arial" panose="020B0604020202020204" pitchFamily="34" charset="0"/>
+              <a:buChar char="•"/>
+              <a:defRPr sz="1800" kern="1200">
+                <a:solidFill>
+                  <a:schemeClr val="tx1"/>
+                </a:solidFill>
+                <a:latin typeface="+mn-lt"/>
+                <a:ea typeface="+mn-ea"/>
+                <a:cs typeface="+mn-cs"/>
+              </a:defRPr>
+            </a:lvl4pPr>
+            <a:lvl5pPr marL="2057400" indent="-228600" algn="l" defTabSz="914400" rtl="0" eaLnBrk="1" latinLnBrk="0" hangingPunct="1">
+              <a:lnSpc>
+                <a:spcPct val="90000"/>
+              </a:lnSpc>
+              <a:spcBef>
+                <a:spcPts val="500"/>
+              </a:spcBef>
+              <a:buFont typeface="Arial" panose="020B0604020202020204" pitchFamily="34" charset="0"/>
+              <a:buChar char="•"/>
+              <a:defRPr sz="1800" kern="1200">
+                <a:solidFill>
+                  <a:schemeClr val="tx1"/>
+                </a:solidFill>
+                <a:latin typeface="+mn-lt"/>
+                <a:ea typeface="+mn-ea"/>
+                <a:cs typeface="+mn-cs"/>
+              </a:defRPr>
+            </a:lvl5pPr>
+            <a:lvl6pPr marL="2514600" indent="-228600" algn="l" defTabSz="914400" rtl="0" eaLnBrk="1" latinLnBrk="0" hangingPunct="1">
+              <a:lnSpc>
+                <a:spcPct val="90000"/>
+              </a:lnSpc>
+              <a:spcBef>
+                <a:spcPts val="500"/>
+              </a:spcBef>
+              <a:buFont typeface="Arial" panose="020B0604020202020204" pitchFamily="34" charset="0"/>
+              <a:buChar char="•"/>
+              <a:defRPr sz="1800" kern="1200">
+                <a:solidFill>
+                  <a:schemeClr val="tx1"/>
+                </a:solidFill>
+                <a:latin typeface="+mn-lt"/>
+                <a:ea typeface="+mn-ea"/>
+                <a:cs typeface="+mn-cs"/>
+              </a:defRPr>
+            </a:lvl6pPr>
+            <a:lvl7pPr marL="2971800" indent="-228600" algn="l" defTabSz="914400" rtl="0" eaLnBrk="1" latinLnBrk="0" hangingPunct="1">
+              <a:lnSpc>
+                <a:spcPct val="90000"/>
+              </a:lnSpc>
+              <a:spcBef>
+                <a:spcPts val="500"/>
+              </a:spcBef>
+              <a:buFont typeface="Arial" panose="020B0604020202020204" pitchFamily="34" charset="0"/>
+              <a:buChar char="•"/>
+              <a:defRPr sz="1800" kern="1200">
+                <a:solidFill>
+                  <a:schemeClr val="tx1"/>
+                </a:solidFill>
+                <a:latin typeface="+mn-lt"/>
+                <a:ea typeface="+mn-ea"/>
+                <a:cs typeface="+mn-cs"/>
+              </a:defRPr>
+            </a:lvl7pPr>
+            <a:lvl8pPr marL="3429000" indent="-228600" algn="l" defTabSz="914400" rtl="0" eaLnBrk="1" latinLnBrk="0" hangingPunct="1">
+              <a:lnSpc>
+                <a:spcPct val="90000"/>
+              </a:lnSpc>
+              <a:spcBef>
+                <a:spcPts val="500"/>
+              </a:spcBef>
+              <a:buFont typeface="Arial" panose="020B0604020202020204" pitchFamily="34" charset="0"/>
+              <a:buChar char="•"/>
+              <a:defRPr sz="1800" kern="1200">
+                <a:solidFill>
+                  <a:schemeClr val="tx1"/>
+                </a:solidFill>
+                <a:latin typeface="+mn-lt"/>
+                <a:ea typeface="+mn-ea"/>
+                <a:cs typeface="+mn-cs"/>
+              </a:defRPr>
+            </a:lvl8pPr>
+            <a:lvl9pPr marL="3886200" indent="-228600" algn="l" defTabSz="914400" rtl="0" eaLnBrk="1" latinLnBrk="0" hangingPunct="1">
+              <a:lnSpc>
+                <a:spcPct val="90000"/>
+              </a:lnSpc>
+              <a:spcBef>
+                <a:spcPts val="500"/>
+              </a:spcBef>
+              <a:buFont typeface="Arial" panose="020B0604020202020204" pitchFamily="34" charset="0"/>
+              <a:buChar char="•"/>
+              <a:defRPr sz="1800" kern="1200">
+                <a:solidFill>
+                  <a:schemeClr val="tx1"/>
+                </a:solidFill>
+                <a:latin typeface="+mn-lt"/>
+                <a:ea typeface="+mn-ea"/>
+                <a:cs typeface="+mn-cs"/>
+              </a:defRPr>
+            </a:lvl9pPr>
+          </a:lstStyle>
+          <a:p>
+            <a:r>
+              <a:rPr lang="de-CH" dirty="0"/>
+              <a:t>Grafische Spielhilfe</a:t>
+            </a:r>
+          </a:p>
+          <a:p>
+            <a:endParaRPr lang="de-CH" dirty="0"/>
+          </a:p>
+          <a:p>
+            <a:pPr marL="0" indent="0">
+              <a:buNone/>
+            </a:pPr>
+            <a:endParaRPr lang="de-CH" dirty="0"/>
+          </a:p>
+          <a:p>
+            <a:endParaRPr lang="de-CH" dirty="0"/>
           </a:p>
         </p:txBody>
       </p:sp>
     </p:spTree>
     <p:extLst>
       <p:ext uri="{BB962C8B-B14F-4D97-AF65-F5344CB8AC3E}">
-        <p14:creationId xmlns:p14="http://schemas.microsoft.com/office/powerpoint/2010/main" val="557982326"/>
+        <p14:creationId xmlns:p14="http://schemas.microsoft.com/office/powerpoint/2010/main" val="500444863"/>
       </p:ext>
     </p:extLst>
   </p:cSld>
@@ -5609,14 +6373,44 @@
           <a:bodyPr/>
           <a:lstStyle/>
           <a:p>
-            <a:endParaRPr lang="de-CH"/>
+            <a:r>
+              <a:rPr lang="de-CH" dirty="0"/>
+              <a:t>Spielt wie normales Theremin</a:t>
+            </a:r>
+          </a:p>
+          <a:p>
+            <a:r>
+              <a:rPr lang="de-CH" dirty="0"/>
+              <a:t>Spielhilfen funktionieren</a:t>
+            </a:r>
+          </a:p>
+          <a:p>
+            <a:r>
+              <a:rPr lang="de-CH" dirty="0"/>
+              <a:t>Bedienung über Display</a:t>
+            </a:r>
+          </a:p>
+          <a:p>
+            <a:endParaRPr lang="de-CH" dirty="0"/>
+          </a:p>
+          <a:p>
+            <a:r>
+              <a:rPr lang="de-CH" dirty="0"/>
+              <a:t>EMV Problematik</a:t>
+            </a:r>
+          </a:p>
+          <a:p>
+            <a:r>
+              <a:rPr lang="de-CH" dirty="0"/>
+              <a:t>Leichtes Aliasing</a:t>
+            </a:r>
           </a:p>
         </p:txBody>
       </p:sp>
     </p:spTree>
     <p:extLst>
       <p:ext uri="{BB962C8B-B14F-4D97-AF65-F5344CB8AC3E}">
-        <p14:creationId xmlns:p14="http://schemas.microsoft.com/office/powerpoint/2010/main" val="4053501564"/>
+        <p14:creationId xmlns:p14="http://schemas.microsoft.com/office/powerpoint/2010/main" val="3528145812"/>
       </p:ext>
     </p:extLst>
   </p:cSld>
